--- a/DatenAnalyseSS22_final.pptx
+++ b/DatenAnalyseSS22_final.pptx
@@ -4801,7 +4801,7 @@
             <a:pPr rtl="0"/>
             <a:fld id="{748108C2-F602-41E0-AF82-3DCDA7DE0AF3}" type="datetime1">
               <a:rPr lang="de-DE" smtClean="0"/>
-              <a:t>13.05.2022</a:t>
+              <a:t>16.05.2022</a:t>
             </a:fld>
             <a:endParaRPr lang="de-DE"/>
           </a:p>
@@ -4971,7 +4971,7 @@
             <a:fld id="{64C5B0F5-F073-4F9A-BEED-C35A9A6EA229}" type="datetime1">
               <a:rPr lang="de-DE" smtClean="0"/>
               <a:pPr/>
-              <a:t>13.05.2022</a:t>
+              <a:t>16.05.2022</a:t>
             </a:fld>
             <a:endParaRPr lang="de-DE" dirty="0"/>
           </a:p>
@@ -6789,7 +6789,7 @@
             <a:pPr rtl="0"/>
             <a:fld id="{801DB36E-4ACC-4A65-8C06-61D8F55645B3}" type="datetime1">
               <a:rPr lang="de-DE" noProof="0" smtClean="0"/>
-              <a:t>13.05.2022</a:t>
+              <a:t>16.05.2022</a:t>
             </a:fld>
             <a:endParaRPr lang="de-DE" noProof="0"/>
           </a:p>
@@ -7062,7 +7062,7 @@
             <a:pPr rtl="0"/>
             <a:fld id="{07935A1C-0057-4624-85A8-A9219E68AB9B}" type="datetime1">
               <a:rPr lang="de-DE" noProof="0" smtClean="0"/>
-              <a:t>13.05.2022</a:t>
+              <a:t>16.05.2022</a:t>
             </a:fld>
             <a:endParaRPr lang="de-DE" noProof="0"/>
           </a:p>
@@ -7246,7 +7246,7 @@
             <a:pPr rtl="0"/>
             <a:fld id="{38053FFE-B410-4CF6-AD66-D020A77BCB3D}" type="datetime1">
               <a:rPr lang="de-DE" noProof="0" smtClean="0"/>
-              <a:t>13.05.2022</a:t>
+              <a:t>16.05.2022</a:t>
             </a:fld>
             <a:endParaRPr lang="de-DE" noProof="0"/>
           </a:p>
@@ -7834,7 +7834,7 @@
             <a:pPr rtl="0"/>
             <a:fld id="{BC3F9320-95B0-4AB3-896A-DBE39692FA97}" type="datetime1">
               <a:rPr lang="de-DE" noProof="0" smtClean="0"/>
-              <a:t>13.05.2022</a:t>
+              <a:t>16.05.2022</a:t>
             </a:fld>
             <a:endParaRPr lang="de-DE" noProof="0"/>
           </a:p>
@@ -8283,7 +8283,7 @@
             <a:pPr rtl="0"/>
             <a:fld id="{87D892D4-DBD6-47C5-BF0A-6ADF6F5C5CF7}" type="datetime1">
               <a:rPr lang="de-DE" noProof="0" smtClean="0"/>
-              <a:t>13.05.2022</a:t>
+              <a:t>16.05.2022</a:t>
             </a:fld>
             <a:endParaRPr lang="de-DE" noProof="0"/>
           </a:p>
@@ -8416,7 +8416,7 @@
             <a:pPr rtl="0"/>
             <a:fld id="{EFC17770-7E8E-4EAA-A4A5-7EC5244EA9B6}" type="datetime1">
               <a:rPr lang="de-DE" noProof="0" smtClean="0"/>
-              <a:t>13.05.2022</a:t>
+              <a:t>16.05.2022</a:t>
             </a:fld>
             <a:endParaRPr lang="de-DE" noProof="0"/>
           </a:p>
@@ -8526,7 +8526,7 @@
             <a:pPr rtl="0"/>
             <a:fld id="{649AE28C-6747-4027-9764-516495FA135E}" type="datetime1">
               <a:rPr lang="de-DE" noProof="0" smtClean="0"/>
-              <a:t>13.05.2022</a:t>
+              <a:t>16.05.2022</a:t>
             </a:fld>
             <a:endParaRPr lang="de-DE" noProof="0"/>
           </a:p>
@@ -9498,7 +9498,7 @@
             <a:pPr rtl="0"/>
             <a:fld id="{26ADB963-0574-471B-9246-29E08FFD36A5}" type="datetime1">
               <a:rPr lang="de-DE" noProof="0" smtClean="0"/>
-              <a:t>13.05.2022</a:t>
+              <a:t>16.05.2022</a:t>
             </a:fld>
             <a:endParaRPr lang="de-DE" noProof="0"/>
           </a:p>
@@ -10327,7 +10327,7 @@
                 <a:cs typeface="Calibri"/>
                 <a:sym typeface="Wingdings" panose="05000000000000000000" pitchFamily="2" charset="2"/>
               </a:rPr>
-              <a:t>      6 </a:t>
+              <a:t>      4 </a:t>
             </a:r>
             <a:r>
               <a:rPr lang="en-US" sz="2000" dirty="0" err="1">
@@ -10359,13 +10359,13 @@
   <p:clrMapOvr>
     <a:masterClrMapping/>
   </p:clrMapOvr>
-  <mc:AlternateContent xmlns:mc="http://schemas.openxmlformats.org/markup-compatibility/2006">
-    <mc:Choice xmlns:p14="http://schemas.microsoft.com/office/powerpoint/2010/main" Requires="p14">
+  <mc:AlternateContent xmlns:mc="http://schemas.openxmlformats.org/markup-compatibility/2006" xmlns:p14="http://schemas.microsoft.com/office/powerpoint/2010/main">
+    <mc:Choice Requires="p14">
       <p:transition spd="med" p14:dur="700">
         <p:fade/>
       </p:transition>
     </mc:Choice>
-    <mc:Fallback>
+    <mc:Fallback xmlns="">
       <p:transition spd="med">
         <p:fade/>
       </p:transition>
@@ -10403,55 +10403,55 @@
         </p:nvSpPr>
         <p:spPr>
           <a:xfrm>
-            <a:off x="1066800" y="127000"/>
-            <a:ext cx="10058400" cy="1453322"/>
+            <a:off x="1066800" y="396240"/>
+            <a:ext cx="10058400" cy="828040"/>
           </a:xfrm>
         </p:spPr>
         <p:txBody>
-          <a:bodyPr rtlCol="0">
+          <a:bodyPr rtlCol="0" anchor="ctr">
             <a:normAutofit fontScale="90000"/>
           </a:bodyPr>
           <a:lstStyle/>
           <a:p>
             <a:r>
-              <a:rPr lang="de-DE" sz="3600" b="1" dirty="0"/>
+              <a:rPr lang="de-DE" sz="4000" b="1" dirty="0"/>
               <a:t>Milestone 3:</a:t>
             </a:r>
             <a:r>
-              <a:rPr lang="de-DE" sz="3600" dirty="0"/>
+              <a:rPr lang="de-DE" sz="4000" dirty="0"/>
               <a:t>  Shift </a:t>
             </a:r>
             <a:r>
-              <a:rPr lang="de-DE" sz="3600" dirty="0" err="1"/>
+              <a:rPr lang="de-DE" sz="4000" dirty="0" err="1"/>
               <a:t>detection</a:t>
             </a:r>
             <a:r>
-              <a:rPr lang="de-DE" sz="3600" dirty="0"/>
+              <a:rPr lang="de-DE" sz="4000" dirty="0"/>
               <a:t>/</a:t>
             </a:r>
             <a:br>
-              <a:rPr lang="de-DE" sz="3600" dirty="0"/>
+              <a:rPr lang="de-DE" sz="4000" dirty="0"/>
             </a:br>
             <a:r>
-              <a:rPr lang="de-DE" sz="3600" dirty="0"/>
+              <a:rPr lang="de-DE" sz="4000" dirty="0"/>
               <a:t>k-</a:t>
             </a:r>
             <a:r>
-              <a:rPr lang="de-DE" sz="3600" dirty="0" err="1"/>
+              <a:rPr lang="de-DE" sz="4000" dirty="0" err="1"/>
               <a:t>means</a:t>
             </a:r>
             <a:r>
-              <a:rPr lang="de-DE" sz="3600" dirty="0"/>
+              <a:rPr lang="de-DE" sz="4000" dirty="0"/>
               <a:t> </a:t>
             </a:r>
             <a:r>
-              <a:rPr lang="de-DE" sz="3600" dirty="0" err="1"/>
+              <a:rPr lang="de-DE" sz="4000" dirty="0" err="1"/>
               <a:t>clustering</a:t>
             </a:r>
             <a:br>
-              <a:rPr lang="de-DE" sz="3600" b="1" dirty="0"/>
+              <a:rPr lang="de-DE" sz="2400" b="1" dirty="0"/>
             </a:br>
-            <a:endParaRPr lang="de-DE" dirty="0"/>
+            <a:endParaRPr lang="de-DE" sz="2400" dirty="0"/>
           </a:p>
         </p:txBody>
       </p:sp>
@@ -10462,13 +10462,13 @@
             <a:spLocks noGrp="1"/>
           </p:cNvSpPr>
           <p:nvPr>
-            <p:ph idx="1"/>
+            <p:ph sz="half" idx="1"/>
           </p:nvPr>
         </p:nvSpPr>
         <p:spPr>
           <a:xfrm>
-            <a:off x="1066800" y="1798583"/>
-            <a:ext cx="10058400" cy="4457700"/>
+            <a:off x="1066800" y="1714501"/>
+            <a:ext cx="6636026" cy="4457700"/>
           </a:xfrm>
         </p:spPr>
         <p:txBody>
@@ -10477,6 +10477,11 @@
           </a:bodyPr>
           <a:lstStyle/>
           <a:p>
+            <a:pPr>
+              <a:lnSpc>
+                <a:spcPct val="90000"/>
+              </a:lnSpc>
+            </a:pPr>
             <a:r>
               <a:rPr lang="de-DE" sz="2400" b="1" dirty="0" err="1">
                 <a:solidFill>
@@ -10485,7 +10490,6 @@
                     <a:lumOff val="40000"/>
                   </a:schemeClr>
                 </a:solidFill>
-                <a:cs typeface="Calibri"/>
               </a:rPr>
               <a:t>How</a:t>
             </a:r>
@@ -10497,7 +10501,6 @@
                     <a:lumOff val="40000"/>
                   </a:schemeClr>
                 </a:solidFill>
-                <a:cs typeface="Calibri"/>
               </a:rPr>
               <a:t> </a:t>
             </a:r>
@@ -10509,7 +10512,6 @@
                     <a:lumOff val="40000"/>
                   </a:schemeClr>
                 </a:solidFill>
-                <a:cs typeface="Calibri"/>
               </a:rPr>
               <a:t>to</a:t>
             </a:r>
@@ -10521,426 +10523,317 @@
                     <a:lumOff val="40000"/>
                   </a:schemeClr>
                 </a:solidFill>
-                <a:cs typeface="Calibri"/>
               </a:rPr>
               <a:t>?</a:t>
             </a:r>
           </a:p>
           <a:p>
             <a:pPr marL="0" indent="0">
+              <a:lnSpc>
+                <a:spcPct val="90000"/>
+              </a:lnSpc>
               <a:buNone/>
             </a:pPr>
             <a:r>
-              <a:rPr lang="de-DE" sz="2000" dirty="0">
-                <a:cs typeface="Calibri"/>
-              </a:rPr>
+              <a:rPr lang="de-DE" sz="1400" dirty="0"/>
               <a:t>    </a:t>
             </a:r>
             <a:r>
-              <a:rPr lang="de-DE" sz="2000" dirty="0">
-                <a:cs typeface="Calibri"/>
-                <a:sym typeface="Wingdings" panose="05000000000000000000" pitchFamily="2" charset="2"/>
-              </a:rPr>
-              <a:t> </a:t>
-            </a:r>
-            <a:r>
-              <a:rPr lang="de-DE" sz="2000" dirty="0" err="1">
-                <a:cs typeface="Calibri"/>
-                <a:sym typeface="Wingdings" panose="05000000000000000000" pitchFamily="2" charset="2"/>
-              </a:rPr>
+              <a:rPr lang="de-DE" sz="1600" dirty="0">
+                <a:sym typeface="Wingdings" panose="05000000000000000000" pitchFamily="2" charset="2"/>
+              </a:rPr>
+              <a:t></a:t>
+            </a:r>
+            <a:r>
+              <a:rPr lang="de-DE" sz="1600" dirty="0"/>
+              <a:t> </a:t>
+            </a:r>
+            <a:r>
+              <a:rPr lang="de-DE" sz="1600" dirty="0" err="1"/>
               <a:t>figure</a:t>
             </a:r>
             <a:r>
-              <a:rPr lang="de-DE" sz="2000" dirty="0">
-                <a:cs typeface="Calibri"/>
-                <a:sym typeface="Wingdings" panose="05000000000000000000" pitchFamily="2" charset="2"/>
-              </a:rPr>
+              <a:rPr lang="de-DE" sz="1600" dirty="0"/>
               <a:t> out </a:t>
             </a:r>
             <a:r>
-              <a:rPr lang="de-DE" sz="2000" dirty="0" err="1">
-                <a:cs typeface="Calibri"/>
-                <a:sym typeface="Wingdings" panose="05000000000000000000" pitchFamily="2" charset="2"/>
-              </a:rPr>
+              <a:rPr lang="de-DE" sz="1600" dirty="0" err="1"/>
               <a:t>difference</a:t>
             </a:r>
             <a:r>
-              <a:rPr lang="de-DE" sz="2000" dirty="0">
-                <a:cs typeface="Calibri"/>
-                <a:sym typeface="Wingdings" panose="05000000000000000000" pitchFamily="2" charset="2"/>
-              </a:rPr>
+              <a:rPr lang="de-DE" sz="1600" dirty="0"/>
               <a:t> </a:t>
             </a:r>
             <a:r>
-              <a:rPr lang="de-DE" sz="2000" dirty="0" err="1">
-                <a:cs typeface="Calibri"/>
-                <a:sym typeface="Wingdings" panose="05000000000000000000" pitchFamily="2" charset="2"/>
-              </a:rPr>
+              <a:rPr lang="de-DE" sz="1600" dirty="0" err="1"/>
               <a:t>of</a:t>
             </a:r>
             <a:r>
-              <a:rPr lang="de-DE" sz="2000" dirty="0">
-                <a:cs typeface="Calibri"/>
-                <a:sym typeface="Wingdings" panose="05000000000000000000" pitchFamily="2" charset="2"/>
-              </a:rPr>
+              <a:rPr lang="de-DE" sz="1600" dirty="0"/>
               <a:t> </a:t>
             </a:r>
             <a:r>
-              <a:rPr lang="de-DE" sz="2000" dirty="0" err="1">
-                <a:cs typeface="Calibri"/>
-                <a:sym typeface="Wingdings" panose="05000000000000000000" pitchFamily="2" charset="2"/>
-              </a:rPr>
+              <a:rPr lang="de-DE" sz="1600" dirty="0" err="1"/>
               <a:t>the</a:t>
             </a:r>
             <a:r>
-              <a:rPr lang="de-DE" sz="2000" dirty="0">
-                <a:cs typeface="Calibri"/>
-                <a:sym typeface="Wingdings" panose="05000000000000000000" pitchFamily="2" charset="2"/>
-              </a:rPr>
+              <a:rPr lang="de-DE" sz="1600" dirty="0"/>
               <a:t> </a:t>
             </a:r>
             <a:r>
-              <a:rPr lang="de-DE" sz="2000" dirty="0" err="1">
-                <a:cs typeface="Calibri"/>
-                <a:sym typeface="Wingdings" panose="05000000000000000000" pitchFamily="2" charset="2"/>
-              </a:rPr>
+              <a:rPr lang="de-DE" sz="1600" dirty="0" err="1"/>
               <a:t>maxima</a:t>
             </a:r>
-            <a:r>
-              <a:rPr lang="de-DE" sz="2000" dirty="0">
-                <a:cs typeface="Calibri"/>
-                <a:sym typeface="Wingdings" panose="05000000000000000000" pitchFamily="2" charset="2"/>
-              </a:rPr>
-              <a:t> (</a:t>
-            </a:r>
-            <a:r>
-              <a:rPr lang="de-DE" sz="2000" dirty="0" err="1">
-                <a:cs typeface="Calibri"/>
-                <a:sym typeface="Wingdings" panose="05000000000000000000" pitchFamily="2" charset="2"/>
-              </a:rPr>
-              <a:t>Ctrl</a:t>
-            </a:r>
-            <a:r>
-              <a:rPr lang="de-DE" sz="2000" dirty="0">
-                <a:cs typeface="Calibri"/>
-                <a:sym typeface="Wingdings" panose="05000000000000000000" pitchFamily="2" charset="2"/>
-              </a:rPr>
-              <a:t> </a:t>
-            </a:r>
-            <a:r>
-              <a:rPr lang="de-DE" sz="2000" dirty="0" err="1">
-                <a:cs typeface="Calibri"/>
-                <a:sym typeface="Wingdings" panose="05000000000000000000" pitchFamily="2" charset="2"/>
-              </a:rPr>
-              <a:t>group</a:t>
-            </a:r>
-            <a:r>
-              <a:rPr lang="de-DE" sz="2000" dirty="0">
-                <a:cs typeface="Calibri"/>
-                <a:sym typeface="Wingdings" panose="05000000000000000000" pitchFamily="2" charset="2"/>
-              </a:rPr>
-              <a:t> vs. </a:t>
-            </a:r>
-            <a:r>
-              <a:rPr lang="de-DE" sz="2000" dirty="0" err="1">
-                <a:cs typeface="Calibri"/>
-                <a:sym typeface="Wingdings" panose="05000000000000000000" pitchFamily="2" charset="2"/>
-              </a:rPr>
-              <a:t>Rnase</a:t>
-            </a:r>
-            <a:r>
-              <a:rPr lang="de-DE" sz="2000" dirty="0">
-                <a:cs typeface="Calibri"/>
-                <a:sym typeface="Wingdings" panose="05000000000000000000" pitchFamily="2" charset="2"/>
-              </a:rPr>
-              <a:t> </a:t>
-            </a:r>
-            <a:r>
-              <a:rPr lang="de-DE" sz="2000" dirty="0" err="1">
-                <a:cs typeface="Calibri"/>
-                <a:sym typeface="Wingdings" panose="05000000000000000000" pitchFamily="2" charset="2"/>
-              </a:rPr>
-              <a:t>group</a:t>
-            </a:r>
-            <a:r>
-              <a:rPr lang="de-DE" sz="2000" dirty="0">
-                <a:cs typeface="Calibri"/>
-                <a:sym typeface="Wingdings" panose="05000000000000000000" pitchFamily="2" charset="2"/>
-              </a:rPr>
-              <a:t>)</a:t>
-            </a:r>
+            <a:endParaRPr lang="de-DE" sz="1600" dirty="0"/>
           </a:p>
           <a:p>
             <a:pPr marL="0" indent="0">
+              <a:lnSpc>
+                <a:spcPct val="90000"/>
+              </a:lnSpc>
               <a:buNone/>
             </a:pPr>
             <a:r>
-              <a:rPr lang="de-DE" sz="2000" dirty="0">
-                <a:cs typeface="Calibri"/>
-                <a:sym typeface="Wingdings" panose="05000000000000000000" pitchFamily="2" charset="2"/>
-              </a:rPr>
-              <a:t>     K-</a:t>
-            </a:r>
-            <a:r>
-              <a:rPr lang="de-DE" sz="2000" dirty="0" err="1">
-                <a:cs typeface="Calibri"/>
-                <a:sym typeface="Wingdings" panose="05000000000000000000" pitchFamily="2" charset="2"/>
-              </a:rPr>
-              <a:t>means</a:t>
-            </a:r>
-            <a:r>
-              <a:rPr lang="de-DE" sz="2000" dirty="0">
-                <a:cs typeface="Calibri"/>
-                <a:sym typeface="Wingdings" panose="05000000000000000000" pitchFamily="2" charset="2"/>
-              </a:rPr>
-              <a:t> </a:t>
-            </a:r>
-            <a:r>
-              <a:rPr lang="de-DE" sz="2000" dirty="0" err="1">
-                <a:cs typeface="Calibri"/>
-                <a:sym typeface="Wingdings" panose="05000000000000000000" pitchFamily="2" charset="2"/>
-              </a:rPr>
-              <a:t>clustering</a:t>
-            </a:r>
-            <a:r>
-              <a:rPr lang="de-DE" sz="2000" dirty="0">
-                <a:cs typeface="Calibri"/>
-                <a:sym typeface="Wingdings" panose="05000000000000000000" pitchFamily="2" charset="2"/>
-              </a:rPr>
-              <a:t>  </a:t>
-            </a:r>
-            <a:r>
-              <a:rPr lang="de-DE" sz="2000" dirty="0" err="1">
-                <a:cs typeface="Calibri"/>
-                <a:sym typeface="Wingdings" panose="05000000000000000000" pitchFamily="2" charset="2"/>
-              </a:rPr>
-              <a:t>for</a:t>
-            </a:r>
-            <a:r>
-              <a:rPr lang="de-DE" sz="2000" dirty="0">
-                <a:cs typeface="Calibri"/>
-                <a:sym typeface="Wingdings" panose="05000000000000000000" pitchFamily="2" charset="2"/>
-              </a:rPr>
-              <a:t> </a:t>
-            </a:r>
-            <a:r>
-              <a:rPr lang="de-DE" sz="2000" dirty="0" err="1">
-                <a:cs typeface="Calibri"/>
-                <a:sym typeface="Wingdings" panose="05000000000000000000" pitchFamily="2" charset="2"/>
-              </a:rPr>
-              <a:t>assigning</a:t>
-            </a:r>
-            <a:r>
-              <a:rPr lang="de-DE" sz="2000" dirty="0">
-                <a:cs typeface="Calibri"/>
-                <a:sym typeface="Wingdings" panose="05000000000000000000" pitchFamily="2" charset="2"/>
-              </a:rPr>
-              <a:t> </a:t>
-            </a:r>
-            <a:r>
-              <a:rPr lang="de-DE" sz="2000" dirty="0" err="1">
-                <a:cs typeface="Calibri"/>
-                <a:sym typeface="Wingdings" panose="05000000000000000000" pitchFamily="2" charset="2"/>
-              </a:rPr>
-              <a:t>each</a:t>
-            </a:r>
-            <a:r>
-              <a:rPr lang="de-DE" sz="2000" dirty="0">
-                <a:cs typeface="Calibri"/>
-                <a:sym typeface="Wingdings" panose="05000000000000000000" pitchFamily="2" charset="2"/>
-              </a:rPr>
-              <a:t> </a:t>
-            </a:r>
-            <a:r>
-              <a:rPr lang="de-DE" sz="2000" dirty="0" err="1">
-                <a:cs typeface="Calibri"/>
-                <a:sym typeface="Wingdings" panose="05000000000000000000" pitchFamily="2" charset="2"/>
-              </a:rPr>
-              <a:t>protein</a:t>
-            </a:r>
-            <a:r>
-              <a:rPr lang="de-DE" sz="2000" dirty="0">
-                <a:cs typeface="Calibri"/>
-                <a:sym typeface="Wingdings" panose="05000000000000000000" pitchFamily="2" charset="2"/>
-              </a:rPr>
-              <a:t> </a:t>
-            </a:r>
-            <a:r>
-              <a:rPr lang="de-DE" sz="2000" dirty="0" err="1">
-                <a:cs typeface="Calibri"/>
-                <a:sym typeface="Wingdings" panose="05000000000000000000" pitchFamily="2" charset="2"/>
-              </a:rPr>
-              <a:t>into</a:t>
-            </a:r>
-            <a:r>
-              <a:rPr lang="de-DE" sz="2000" dirty="0">
-                <a:cs typeface="Calibri"/>
-                <a:sym typeface="Wingdings" panose="05000000000000000000" pitchFamily="2" charset="2"/>
-              </a:rPr>
-              <a:t> </a:t>
-            </a:r>
-            <a:r>
-              <a:rPr lang="de-DE" sz="2000" dirty="0" err="1">
-                <a:cs typeface="Calibri"/>
-                <a:sym typeface="Wingdings" panose="05000000000000000000" pitchFamily="2" charset="2"/>
-              </a:rPr>
-              <a:t>clusters</a:t>
-            </a:r>
-            <a:r>
-              <a:rPr lang="de-DE" sz="2000" dirty="0">
-                <a:cs typeface="Calibri"/>
-                <a:sym typeface="Wingdings" panose="05000000000000000000" pitchFamily="2" charset="2"/>
-              </a:rPr>
-              <a:t> </a:t>
-            </a:r>
-            <a:r>
-              <a:rPr lang="de-DE" sz="2000" dirty="0" err="1">
-                <a:cs typeface="Calibri"/>
-                <a:sym typeface="Wingdings" panose="05000000000000000000" pitchFamily="2" charset="2"/>
-              </a:rPr>
-              <a:t>with</a:t>
-            </a:r>
-            <a:r>
-              <a:rPr lang="de-DE" sz="2000" dirty="0">
-                <a:cs typeface="Calibri"/>
-                <a:sym typeface="Wingdings" panose="05000000000000000000" pitchFamily="2" charset="2"/>
-              </a:rPr>
-              <a:t> </a:t>
-            </a:r>
-            <a:r>
-              <a:rPr lang="de-DE" sz="2000" dirty="0" err="1">
-                <a:cs typeface="Calibri"/>
-                <a:sym typeface="Wingdings" panose="05000000000000000000" pitchFamily="2" charset="2"/>
-              </a:rPr>
-              <a:t>regard</a:t>
-            </a:r>
-            <a:r>
-              <a:rPr lang="de-DE" sz="2000" dirty="0">
-                <a:cs typeface="Calibri"/>
-                <a:sym typeface="Wingdings" panose="05000000000000000000" pitchFamily="2" charset="2"/>
-              </a:rPr>
-              <a:t> </a:t>
-            </a:r>
-            <a:r>
-              <a:rPr lang="de-DE" sz="2000" dirty="0" err="1">
-                <a:cs typeface="Calibri"/>
-                <a:sym typeface="Wingdings" panose="05000000000000000000" pitchFamily="2" charset="2"/>
-              </a:rPr>
-              <a:t>to</a:t>
-            </a:r>
-            <a:r>
-              <a:rPr lang="de-DE" sz="2000" dirty="0">
-                <a:cs typeface="Calibri"/>
-                <a:sym typeface="Wingdings" panose="05000000000000000000" pitchFamily="2" charset="2"/>
-              </a:rPr>
-              <a:t> </a:t>
-            </a:r>
-            <a:r>
-              <a:rPr lang="de-DE" sz="2000" dirty="0" err="1">
-                <a:cs typeface="Calibri"/>
-                <a:sym typeface="Wingdings" panose="05000000000000000000" pitchFamily="2" charset="2"/>
-              </a:rPr>
-              <a:t>their</a:t>
-            </a:r>
-            <a:endParaRPr lang="de-DE" sz="2000" dirty="0">
-              <a:cs typeface="Calibri"/>
-              <a:sym typeface="Wingdings" panose="05000000000000000000" pitchFamily="2" charset="2"/>
-            </a:endParaRPr>
+              <a:rPr lang="de-DE" sz="1600" dirty="0"/>
+              <a:t>        (</a:t>
+            </a:r>
+            <a:r>
+              <a:rPr lang="de-DE" sz="1600" dirty="0" err="1"/>
+              <a:t>Ctrl</a:t>
+            </a:r>
+            <a:r>
+              <a:rPr lang="de-DE" sz="1600" dirty="0"/>
+              <a:t> vs. </a:t>
+            </a:r>
+            <a:r>
+              <a:rPr lang="de-DE" sz="1600" dirty="0" err="1"/>
+              <a:t>Rnase</a:t>
+            </a:r>
+            <a:r>
+              <a:rPr lang="de-DE" sz="1600" dirty="0"/>
+              <a:t>)</a:t>
+            </a:r>
           </a:p>
           <a:p>
             <a:pPr marL="0" indent="0">
+              <a:lnSpc>
+                <a:spcPct val="90000"/>
+              </a:lnSpc>
               <a:buNone/>
             </a:pPr>
             <a:r>
-              <a:rPr lang="de-DE" sz="2000" dirty="0">
-                <a:cs typeface="Calibri"/>
-                <a:sym typeface="Wingdings" panose="05000000000000000000" pitchFamily="2" charset="2"/>
-              </a:rPr>
-              <a:t>        shift </a:t>
-            </a:r>
-            <a:r>
-              <a:rPr lang="de-DE" sz="2000" dirty="0" err="1">
-                <a:cs typeface="Calibri"/>
-                <a:sym typeface="Wingdings" panose="05000000000000000000" pitchFamily="2" charset="2"/>
-              </a:rPr>
+              <a:rPr lang="de-DE" sz="1600" dirty="0"/>
+              <a:t>    </a:t>
+            </a:r>
+            <a:r>
+              <a:rPr lang="de-DE" sz="1600" dirty="0">
+                <a:sym typeface="Wingdings" panose="05000000000000000000" pitchFamily="2" charset="2"/>
+              </a:rPr>
+              <a:t></a:t>
+            </a:r>
+            <a:r>
+              <a:rPr lang="de-DE" sz="1600" dirty="0"/>
+              <a:t> K-</a:t>
+            </a:r>
+            <a:r>
+              <a:rPr lang="de-DE" sz="1600" dirty="0" err="1"/>
+              <a:t>means</a:t>
+            </a:r>
+            <a:r>
+              <a:rPr lang="de-DE" sz="1600" dirty="0"/>
+              <a:t> </a:t>
+            </a:r>
+            <a:r>
+              <a:rPr lang="de-DE" sz="1600" dirty="0" err="1"/>
+              <a:t>clustering</a:t>
+            </a:r>
+            <a:r>
+              <a:rPr lang="de-DE" sz="1600" dirty="0"/>
+              <a:t>  </a:t>
+            </a:r>
+            <a:r>
+              <a:rPr lang="de-DE" sz="1600" dirty="0" err="1"/>
+              <a:t>for</a:t>
+            </a:r>
+            <a:r>
+              <a:rPr lang="de-DE" sz="1600" dirty="0"/>
+              <a:t> </a:t>
+            </a:r>
+            <a:r>
+              <a:rPr lang="de-DE" sz="1600" dirty="0" err="1"/>
+              <a:t>assigning</a:t>
+            </a:r>
+            <a:r>
+              <a:rPr lang="de-DE" sz="1600" dirty="0"/>
+              <a:t> </a:t>
+            </a:r>
+            <a:r>
+              <a:rPr lang="de-DE" sz="1600" dirty="0" err="1"/>
+              <a:t>each</a:t>
+            </a:r>
+            <a:r>
+              <a:rPr lang="de-DE" sz="1600" dirty="0"/>
+              <a:t> </a:t>
+            </a:r>
+            <a:r>
+              <a:rPr lang="de-DE" sz="1600" dirty="0" err="1"/>
+              <a:t>protein</a:t>
+            </a:r>
+            <a:r>
+              <a:rPr lang="de-DE" sz="1600" dirty="0"/>
+              <a:t> </a:t>
+            </a:r>
+            <a:r>
+              <a:rPr lang="de-DE" sz="1600" dirty="0" err="1"/>
+              <a:t>into</a:t>
+            </a:r>
+            <a:r>
+              <a:rPr lang="de-DE" sz="1600" dirty="0"/>
+              <a:t>      </a:t>
+            </a:r>
+          </a:p>
+          <a:p>
+            <a:pPr marL="0" indent="0">
+              <a:lnSpc>
+                <a:spcPct val="90000"/>
+              </a:lnSpc>
+              <a:buNone/>
+            </a:pPr>
+            <a:r>
+              <a:rPr lang="de-DE" sz="1600" dirty="0"/>
+              <a:t>         </a:t>
+            </a:r>
+            <a:r>
+              <a:rPr lang="de-DE" sz="1600" dirty="0" err="1"/>
+              <a:t>clusters</a:t>
+            </a:r>
+            <a:r>
+              <a:rPr lang="de-DE" sz="1600" dirty="0"/>
+              <a:t> </a:t>
+            </a:r>
+            <a:r>
+              <a:rPr lang="de-DE" sz="1600" dirty="0" err="1"/>
+              <a:t>with</a:t>
+            </a:r>
+            <a:r>
+              <a:rPr lang="de-DE" sz="1600" dirty="0"/>
+              <a:t> </a:t>
+            </a:r>
+            <a:r>
+              <a:rPr lang="de-DE" sz="1600" dirty="0" err="1"/>
+              <a:t>regard</a:t>
+            </a:r>
+            <a:r>
+              <a:rPr lang="de-DE" sz="1600" dirty="0"/>
+              <a:t> </a:t>
+            </a:r>
+            <a:r>
+              <a:rPr lang="de-DE" sz="1600" dirty="0" err="1"/>
+              <a:t>to</a:t>
+            </a:r>
+            <a:r>
+              <a:rPr lang="de-DE" sz="1600" dirty="0"/>
+              <a:t> </a:t>
+            </a:r>
+            <a:r>
+              <a:rPr lang="de-DE" sz="1600" dirty="0" err="1"/>
+              <a:t>their</a:t>
+            </a:r>
+            <a:r>
+              <a:rPr lang="de-DE" sz="1600" dirty="0"/>
+              <a:t> shift </a:t>
+            </a:r>
+            <a:r>
+              <a:rPr lang="de-DE" sz="1600" dirty="0" err="1"/>
               <a:t>characteristics</a:t>
             </a:r>
             <a:r>
-              <a:rPr lang="de-DE" sz="2000" dirty="0">
-                <a:cs typeface="Calibri"/>
-                <a:sym typeface="Wingdings" panose="05000000000000000000" pitchFamily="2" charset="2"/>
-              </a:rPr>
-              <a:t> and </a:t>
-            </a:r>
-            <a:r>
-              <a:rPr lang="de-DE" sz="2000" dirty="0" err="1">
-                <a:cs typeface="Calibri"/>
-                <a:sym typeface="Wingdings" panose="05000000000000000000" pitchFamily="2" charset="2"/>
-              </a:rPr>
+              <a:rPr lang="de-DE" sz="1600" dirty="0"/>
+              <a:t> (</a:t>
+            </a:r>
+            <a:r>
+              <a:rPr lang="de-DE" sz="1600" dirty="0" err="1"/>
+              <a:t>left</a:t>
+            </a:r>
+            <a:r>
+              <a:rPr lang="de-DE" sz="1600" dirty="0"/>
+              <a:t> shift, </a:t>
+            </a:r>
+          </a:p>
+          <a:p>
+            <a:pPr marL="0" indent="0">
+              <a:lnSpc>
+                <a:spcPct val="90000"/>
+              </a:lnSpc>
+              <a:buNone/>
+            </a:pPr>
+            <a:r>
+              <a:rPr lang="de-DE" sz="1600" dirty="0"/>
+              <a:t>         </a:t>
+            </a:r>
+            <a:r>
+              <a:rPr lang="de-DE" sz="1600" dirty="0" err="1"/>
+              <a:t>right</a:t>
+            </a:r>
+            <a:r>
+              <a:rPr lang="de-DE" sz="1600" dirty="0"/>
+              <a:t> shift, </a:t>
+            </a:r>
+            <a:r>
+              <a:rPr lang="de-DE" sz="1600" dirty="0" err="1"/>
+              <a:t>no</a:t>
+            </a:r>
+            <a:r>
+              <a:rPr lang="de-DE" sz="1600" dirty="0"/>
+              <a:t> shift) and </a:t>
+            </a:r>
+            <a:r>
+              <a:rPr lang="de-DE" sz="1600" dirty="0" err="1"/>
               <a:t>assign</a:t>
             </a:r>
             <a:r>
-              <a:rPr lang="de-DE" sz="2000" dirty="0">
-                <a:cs typeface="Calibri"/>
-                <a:sym typeface="Wingdings" panose="05000000000000000000" pitchFamily="2" charset="2"/>
-              </a:rPr>
+              <a:rPr lang="de-DE" sz="1600" dirty="0"/>
               <a:t> </a:t>
             </a:r>
             <a:r>
-              <a:rPr lang="de-DE" sz="2000" dirty="0" err="1">
-                <a:cs typeface="Calibri"/>
-                <a:sym typeface="Wingdings" panose="05000000000000000000" pitchFamily="2" charset="2"/>
-              </a:rPr>
+              <a:rPr lang="de-DE" sz="1600" dirty="0" err="1"/>
               <a:t>biological</a:t>
             </a:r>
             <a:r>
-              <a:rPr lang="de-DE" sz="2000" dirty="0">
-                <a:cs typeface="Calibri"/>
-                <a:sym typeface="Wingdings" panose="05000000000000000000" pitchFamily="2" charset="2"/>
-              </a:rPr>
+              <a:rPr lang="de-DE" sz="1600" dirty="0"/>
               <a:t> </a:t>
             </a:r>
             <a:r>
-              <a:rPr lang="de-DE" sz="2000" dirty="0" err="1">
-                <a:cs typeface="Calibri"/>
-                <a:sym typeface="Wingdings" panose="05000000000000000000" pitchFamily="2" charset="2"/>
-              </a:rPr>
+              <a:rPr lang="de-DE" sz="1600" dirty="0" err="1"/>
               <a:t>meaning</a:t>
             </a:r>
             <a:r>
-              <a:rPr lang="de-DE" sz="2000" dirty="0">
-                <a:cs typeface="Calibri"/>
-                <a:sym typeface="Wingdings" panose="05000000000000000000" pitchFamily="2" charset="2"/>
-              </a:rPr>
+              <a:rPr lang="de-DE" sz="1600" dirty="0"/>
               <a:t> </a:t>
             </a:r>
             <a:r>
-              <a:rPr lang="de-DE" sz="2000" dirty="0" err="1">
-                <a:cs typeface="Calibri"/>
-                <a:sym typeface="Wingdings" panose="05000000000000000000" pitchFamily="2" charset="2"/>
-              </a:rPr>
+              <a:rPr lang="de-DE" sz="1600" dirty="0" err="1"/>
               <a:t>to</a:t>
             </a:r>
             <a:r>
-              <a:rPr lang="de-DE" sz="2000" dirty="0">
-                <a:cs typeface="Calibri"/>
-                <a:sym typeface="Wingdings" panose="05000000000000000000" pitchFamily="2" charset="2"/>
-              </a:rPr>
+              <a:rPr lang="de-DE" sz="1600" dirty="0"/>
               <a:t> </a:t>
             </a:r>
             <a:r>
-              <a:rPr lang="de-DE" sz="2000" dirty="0" err="1">
-                <a:cs typeface="Calibri"/>
-                <a:sym typeface="Wingdings" panose="05000000000000000000" pitchFamily="2" charset="2"/>
-              </a:rPr>
+              <a:rPr lang="de-DE" sz="1600" dirty="0" err="1"/>
               <a:t>it</a:t>
             </a:r>
-            <a:endParaRPr lang="de-DE" sz="2000" dirty="0">
-              <a:cs typeface="Calibri"/>
-              <a:sym typeface="Wingdings" panose="05000000000000000000" pitchFamily="2" charset="2"/>
-            </a:endParaRPr>
-          </a:p>
-          <a:p>
+            <a:r>
+              <a:rPr lang="de-DE" sz="1600" dirty="0"/>
+              <a:t>) </a:t>
+            </a:r>
+          </a:p>
+          <a:p>
+            <a:pPr>
+              <a:lnSpc>
+                <a:spcPct val="90000"/>
+              </a:lnSpc>
+            </a:pPr>
             <a:r>
               <a:rPr lang="de-DE" sz="2400" b="1" dirty="0">
                 <a:solidFill>
@@ -10949,147 +10842,190 @@
                     <a:lumOff val="40000"/>
                   </a:schemeClr>
                 </a:solidFill>
-                <a:cs typeface="Calibri"/>
-                <a:sym typeface="Wingdings" panose="05000000000000000000" pitchFamily="2" charset="2"/>
               </a:rPr>
               <a:t>Outcome?</a:t>
             </a:r>
           </a:p>
           <a:p>
             <a:pPr marL="0" indent="0">
+              <a:lnSpc>
+                <a:spcPct val="90000"/>
+              </a:lnSpc>
               <a:buNone/>
             </a:pPr>
             <a:r>
-              <a:rPr lang="de-DE" sz="2000" dirty="0">
-                <a:cs typeface="Calibri"/>
-                <a:sym typeface="Wingdings" panose="05000000000000000000" pitchFamily="2" charset="2"/>
-              </a:rPr>
-              <a:t>     2 </a:t>
-            </a:r>
-            <a:r>
-              <a:rPr lang="de-DE" sz="2000" dirty="0" err="1">
-                <a:cs typeface="Calibri"/>
-                <a:sym typeface="Wingdings" panose="05000000000000000000" pitchFamily="2" charset="2"/>
-              </a:rPr>
+              <a:rPr lang="de-DE" sz="1400" dirty="0"/>
+              <a:t>      </a:t>
+            </a:r>
+            <a:r>
+              <a:rPr lang="de-DE" sz="1400" dirty="0">
+                <a:sym typeface="Wingdings" panose="05000000000000000000" pitchFamily="2" charset="2"/>
+              </a:rPr>
+              <a:t> </a:t>
+            </a:r>
+            <a:r>
+              <a:rPr lang="de-DE" sz="1600" dirty="0"/>
+              <a:t>2 </a:t>
+            </a:r>
+            <a:r>
+              <a:rPr lang="de-DE" sz="1600" dirty="0" err="1"/>
               <a:t>df</a:t>
             </a:r>
             <a:r>
-              <a:rPr lang="de-DE" sz="2000" dirty="0">
-                <a:cs typeface="Calibri"/>
-                <a:sym typeface="Wingdings" panose="05000000000000000000" pitchFamily="2" charset="2"/>
-              </a:rPr>
+              <a:rPr lang="de-DE" sz="1600" dirty="0"/>
               <a:t> (</a:t>
             </a:r>
             <a:r>
-              <a:rPr lang="de-DE" sz="2000" dirty="0" err="1">
-                <a:cs typeface="Calibri"/>
-                <a:sym typeface="Wingdings" panose="05000000000000000000" pitchFamily="2" charset="2"/>
-              </a:rPr>
+              <a:rPr lang="de-DE" sz="1600" dirty="0" err="1"/>
               <a:t>one</a:t>
             </a:r>
             <a:r>
-              <a:rPr lang="de-DE" sz="2000" dirty="0">
-                <a:cs typeface="Calibri"/>
-                <a:sym typeface="Wingdings" panose="05000000000000000000" pitchFamily="2" charset="2"/>
-              </a:rPr>
+              <a:rPr lang="de-DE" sz="1600" dirty="0"/>
               <a:t> </a:t>
             </a:r>
             <a:r>
-              <a:rPr lang="de-DE" sz="2000" dirty="0" err="1">
-                <a:cs typeface="Calibri"/>
-                <a:sym typeface="Wingdings" panose="05000000000000000000" pitchFamily="2" charset="2"/>
-              </a:rPr>
+              <a:rPr lang="de-DE" sz="1600" dirty="0" err="1"/>
               <a:t>df</a:t>
             </a:r>
             <a:r>
-              <a:rPr lang="de-DE" sz="2000" dirty="0">
-                <a:cs typeface="Calibri"/>
-                <a:sym typeface="Wingdings" panose="05000000000000000000" pitchFamily="2" charset="2"/>
-              </a:rPr>
+              <a:rPr lang="de-DE" sz="1600" dirty="0"/>
               <a:t> per </a:t>
             </a:r>
             <a:r>
-              <a:rPr lang="de-DE" sz="2000" dirty="0" err="1">
-                <a:cs typeface="Calibri"/>
-                <a:sym typeface="Wingdings" panose="05000000000000000000" pitchFamily="2" charset="2"/>
-              </a:rPr>
+              <a:rPr lang="de-DE" sz="1600" dirty="0" err="1"/>
               <a:t>cleaning</a:t>
             </a:r>
             <a:r>
-              <a:rPr lang="de-DE" sz="2000" dirty="0">
-                <a:cs typeface="Calibri"/>
-                <a:sym typeface="Wingdings" panose="05000000000000000000" pitchFamily="2" charset="2"/>
-              </a:rPr>
+              <a:rPr lang="de-DE" sz="1600" dirty="0"/>
               <a:t> </a:t>
             </a:r>
             <a:r>
-              <a:rPr lang="de-DE" sz="2000" dirty="0" err="1">
-                <a:cs typeface="Calibri"/>
-                <a:sym typeface="Wingdings" panose="05000000000000000000" pitchFamily="2" charset="2"/>
-              </a:rPr>
+              <a:rPr lang="de-DE" sz="1600" dirty="0" err="1"/>
               <a:t>method</a:t>
             </a:r>
             <a:r>
-              <a:rPr lang="de-DE" sz="2000" dirty="0">
-                <a:cs typeface="Calibri"/>
-                <a:sym typeface="Wingdings" panose="05000000000000000000" pitchFamily="2" charset="2"/>
-              </a:rPr>
+              <a:rPr lang="de-DE" sz="1600" dirty="0"/>
               <a:t>)</a:t>
             </a:r>
           </a:p>
           <a:p>
             <a:pPr marL="0" indent="0">
+              <a:lnSpc>
+                <a:spcPct val="90000"/>
+              </a:lnSpc>
               <a:buNone/>
             </a:pPr>
             <a:r>
-              <a:rPr lang="de-DE" sz="2000" dirty="0">
-                <a:cs typeface="Calibri"/>
-                <a:sym typeface="Wingdings" panose="05000000000000000000" pitchFamily="2" charset="2"/>
-              </a:rPr>
-              <a:t>     2 </a:t>
-            </a:r>
-            <a:r>
-              <a:rPr lang="de-DE" sz="2000" dirty="0" err="1">
-                <a:cs typeface="Calibri"/>
-                <a:sym typeface="Wingdings" panose="05000000000000000000" pitchFamily="2" charset="2"/>
-              </a:rPr>
+              <a:rPr lang="de-DE" sz="1600" dirty="0"/>
+              <a:t>      </a:t>
+            </a:r>
+            <a:r>
+              <a:rPr lang="de-DE" sz="1600" dirty="0">
+                <a:sym typeface="Wingdings" panose="05000000000000000000" pitchFamily="2" charset="2"/>
+              </a:rPr>
+              <a:t> </a:t>
+            </a:r>
+            <a:r>
+              <a:rPr lang="de-DE" sz="1600" dirty="0"/>
+              <a:t>2 </a:t>
+            </a:r>
+            <a:r>
+              <a:rPr lang="de-DE" sz="1600" dirty="0" err="1"/>
               <a:t>clusters</a:t>
             </a:r>
             <a:r>
-              <a:rPr lang="de-DE" sz="2000" dirty="0">
-                <a:cs typeface="Calibri"/>
-                <a:sym typeface="Wingdings" panose="05000000000000000000" pitchFamily="2" charset="2"/>
-              </a:rPr>
+              <a:rPr lang="de-DE" sz="1600" dirty="0"/>
               <a:t> ( RNA-</a:t>
             </a:r>
             <a:r>
-              <a:rPr lang="de-DE" sz="2000" dirty="0" err="1">
-                <a:cs typeface="Calibri"/>
-                <a:sym typeface="Wingdings" panose="05000000000000000000" pitchFamily="2" charset="2"/>
-              </a:rPr>
+              <a:rPr lang="de-DE" sz="1600" dirty="0" err="1"/>
               <a:t>dependent</a:t>
             </a:r>
             <a:r>
-              <a:rPr lang="de-DE" sz="2000" dirty="0">
-                <a:cs typeface="Calibri"/>
-                <a:sym typeface="Wingdings" panose="05000000000000000000" pitchFamily="2" charset="2"/>
-              </a:rPr>
+              <a:rPr lang="de-DE" sz="1600" dirty="0"/>
               <a:t> and RNA-independent </a:t>
             </a:r>
             <a:r>
-              <a:rPr lang="de-DE" sz="2000" dirty="0" err="1">
-                <a:cs typeface="Calibri"/>
-                <a:sym typeface="Wingdings" panose="05000000000000000000" pitchFamily="2" charset="2"/>
-              </a:rPr>
+              <a:rPr lang="de-DE" sz="1600" dirty="0" err="1"/>
               <a:t>cluster</a:t>
             </a:r>
             <a:r>
-              <a:rPr lang="de-DE" sz="2000" dirty="0">
-                <a:cs typeface="Calibri"/>
-                <a:sym typeface="Wingdings" panose="05000000000000000000" pitchFamily="2" charset="2"/>
-              </a:rPr>
+              <a:rPr lang="de-DE" sz="1600" dirty="0"/>
               <a:t>)</a:t>
             </a:r>
+          </a:p>
+        </p:txBody>
+      </p:sp>
+      <p:pic>
+        <p:nvPicPr>
+          <p:cNvPr id="8" name="Grafik 7">
+            <a:extLst>
+              <a:ext uri="{FF2B5EF4-FFF2-40B4-BE49-F238E27FC236}">
+                <a16:creationId xmlns:a16="http://schemas.microsoft.com/office/drawing/2014/main" id="{B85A0807-35A4-6CC4-B1B9-6BD39AB39B35}"/>
+              </a:ext>
+            </a:extLst>
+          </p:cNvPr>
+          <p:cNvPicPr>
+            <a:picLocks noChangeAspect="1"/>
+          </p:cNvPicPr>
+          <p:nvPr/>
+        </p:nvPicPr>
+        <p:blipFill>
+          <a:blip r:embed="rId3" cstate="print">
+            <a:extLst>
+              <a:ext uri="{28A0092B-C50C-407E-A947-70E740481C1C}">
+                <a14:useLocalDpi xmlns:a14="http://schemas.microsoft.com/office/drawing/2010/main" val="0"/>
+              </a:ext>
+            </a:extLst>
+          </a:blip>
+          <a:stretch>
+            <a:fillRect/>
+          </a:stretch>
+        </p:blipFill>
+        <p:spPr>
+          <a:xfrm>
+            <a:off x="7175731" y="1641696"/>
+            <a:ext cx="4752109" cy="2423575"/>
+          </a:xfrm>
+          <a:prstGeom prst="rect">
+            <a:avLst/>
+          </a:prstGeom>
+          <a:noFill/>
+        </p:spPr>
+      </p:pic>
+      <p:sp>
+        <p:nvSpPr>
+          <p:cNvPr id="9" name="Textfeld 8">
+            <a:extLst>
+              <a:ext uri="{FF2B5EF4-FFF2-40B4-BE49-F238E27FC236}">
+                <a16:creationId xmlns:a16="http://schemas.microsoft.com/office/drawing/2014/main" id="{9135B211-D885-8C7E-7FDB-9E225DE6AD4B}"/>
+              </a:ext>
+            </a:extLst>
+          </p:cNvPr>
+          <p:cNvSpPr txBox="1"/>
+          <p:nvPr/>
+        </p:nvSpPr>
+        <p:spPr>
+          <a:xfrm>
+            <a:off x="7175731" y="4138076"/>
+            <a:ext cx="3548591" cy="230832"/>
+          </a:xfrm>
+          <a:prstGeom prst="rect">
+            <a:avLst/>
+          </a:prstGeom>
+          <a:noFill/>
+        </p:spPr>
+        <p:txBody>
+          <a:bodyPr wrap="square" rtlCol="0">
+            <a:spAutoFit/>
+          </a:bodyPr>
+          <a:lstStyle/>
+          <a:p>
+            <a:r>
+              <a:rPr lang="fr-FR" sz="900"/>
+              <a:t>Source: Lecture Computer Science Dr. Carl Hermann</a:t>
+            </a:r>
+            <a:endParaRPr lang="de-DE" sz="900" dirty="0"/>
           </a:p>
         </p:txBody>
       </p:sp>
@@ -11223,10 +11159,15 @@
             <p:ph idx="1"/>
           </p:nvPr>
         </p:nvSpPr>
-        <p:spPr/>
+        <p:spPr>
+          <a:xfrm>
+            <a:off x="1066800" y="1580322"/>
+            <a:ext cx="6298096" cy="4591878"/>
+          </a:xfrm>
+        </p:spPr>
         <p:txBody>
           <a:bodyPr rtlCol="0">
-            <a:normAutofit fontScale="85000" lnSpcReduction="20000"/>
+            <a:normAutofit fontScale="70000" lnSpcReduction="20000"/>
           </a:bodyPr>
           <a:lstStyle/>
           <a:p>
@@ -11392,20 +11333,6 @@
               </a:rPr>
               <a:t> shift </a:t>
             </a:r>
-            <a:r>
-              <a:rPr lang="de-DE" sz="2000" dirty="0" err="1">
-                <a:cs typeface="Calibri"/>
-                <a:sym typeface="Wingdings" panose="05000000000000000000" pitchFamily="2" charset="2"/>
-              </a:rPr>
-              <a:t>characteristics</a:t>
-            </a:r>
-            <a:r>
-              <a:rPr lang="de-DE" sz="2000" dirty="0">
-                <a:cs typeface="Calibri"/>
-                <a:sym typeface="Wingdings" panose="05000000000000000000" pitchFamily="2" charset="2"/>
-              </a:rPr>
-              <a:t> </a:t>
-            </a:r>
           </a:p>
           <a:p>
             <a:pPr marL="0" indent="0">
@@ -11416,7 +11343,21 @@
                 <a:cs typeface="Calibri"/>
                 <a:sym typeface="Wingdings" panose="05000000000000000000" pitchFamily="2" charset="2"/>
               </a:rPr>
-              <a:t>         and RBPs)</a:t>
+              <a:t>         </a:t>
+            </a:r>
+            <a:r>
+              <a:rPr lang="de-DE" sz="2000" dirty="0" err="1">
+                <a:cs typeface="Calibri"/>
+                <a:sym typeface="Wingdings" panose="05000000000000000000" pitchFamily="2" charset="2"/>
+              </a:rPr>
+              <a:t>characteristics</a:t>
+            </a:r>
+            <a:r>
+              <a:rPr lang="de-DE" sz="2000" dirty="0">
+                <a:cs typeface="Calibri"/>
+                <a:sym typeface="Wingdings" panose="05000000000000000000" pitchFamily="2" charset="2"/>
+              </a:rPr>
+              <a:t> and RBPs)</a:t>
             </a:r>
           </a:p>
           <a:p>
@@ -11867,6 +11808,70 @@
                 <a:sym typeface="Wingdings" panose="05000000000000000000" pitchFamily="2" charset="2"/>
               </a:rPr>
               <a:t> </a:t>
+            </a:r>
+          </a:p>
+        </p:txBody>
+      </p:sp>
+      <p:pic>
+        <p:nvPicPr>
+          <p:cNvPr id="5" name="Grafik 4">
+            <a:extLst>
+              <a:ext uri="{FF2B5EF4-FFF2-40B4-BE49-F238E27FC236}">
+                <a16:creationId xmlns:a16="http://schemas.microsoft.com/office/drawing/2014/main" id="{890B169A-1EAF-0D86-3C89-B10B81E9491D}"/>
+              </a:ext>
+            </a:extLst>
+          </p:cNvPr>
+          <p:cNvPicPr>
+            <a:picLocks noChangeAspect="1"/>
+          </p:cNvPicPr>
+          <p:nvPr/>
+        </p:nvPicPr>
+        <p:blipFill rotWithShape="1">
+          <a:blip r:embed="rId3"/>
+          <a:srcRect l="13451" t="3577" r="13833" b="17720"/>
+          <a:stretch/>
+        </p:blipFill>
+        <p:spPr>
+          <a:xfrm>
+            <a:off x="7154739" y="1580322"/>
+            <a:ext cx="4773840" cy="2852530"/>
+          </a:xfrm>
+          <a:prstGeom prst="rect">
+            <a:avLst/>
+          </a:prstGeom>
+        </p:spPr>
+      </p:pic>
+      <p:sp>
+        <p:nvSpPr>
+          <p:cNvPr id="4" name="Textfeld 3">
+            <a:extLst>
+              <a:ext uri="{FF2B5EF4-FFF2-40B4-BE49-F238E27FC236}">
+                <a16:creationId xmlns:a16="http://schemas.microsoft.com/office/drawing/2014/main" id="{3ED7DCD7-D931-541C-4FB7-121CDF2149B5}"/>
+              </a:ext>
+            </a:extLst>
+          </p:cNvPr>
+          <p:cNvSpPr txBox="1"/>
+          <p:nvPr/>
+        </p:nvSpPr>
+        <p:spPr>
+          <a:xfrm>
+            <a:off x="7066722" y="4432852"/>
+            <a:ext cx="4773840" cy="215444"/>
+          </a:xfrm>
+          <a:prstGeom prst="rect">
+            <a:avLst/>
+          </a:prstGeom>
+          <a:noFill/>
+        </p:spPr>
+        <p:txBody>
+          <a:bodyPr wrap="square" rtlCol="0">
+            <a:spAutoFit/>
+          </a:bodyPr>
+          <a:lstStyle/>
+          <a:p>
+            <a:r>
+              <a:rPr lang="de-DE" sz="800" dirty="0"/>
+              <a:t>Source: https://www.dropbox.com/s/ivm1q7fpf9153j3/2022_Project3_Data_Analysis.mp4?dl=0</a:t>
             </a:r>
           </a:p>
         </p:txBody>
@@ -12005,7 +12010,7 @@
         <p:spPr/>
         <p:txBody>
           <a:bodyPr rtlCol="0">
-            <a:normAutofit fontScale="85000" lnSpcReduction="20000"/>
+            <a:normAutofit fontScale="92500" lnSpcReduction="10000"/>
           </a:bodyPr>
           <a:lstStyle/>
           <a:p>
@@ -12160,21 +12165,21 @@
                 <a:cs typeface="Calibri"/>
                 <a:sym typeface="Wingdings" panose="05000000000000000000" pitchFamily="2" charset="2"/>
               </a:rPr>
-              <a:t>look</a:t>
+              <a:t>develop</a:t>
             </a:r>
             <a:r>
               <a:rPr lang="de-DE" sz="2100" dirty="0">
                 <a:cs typeface="Calibri"/>
                 <a:sym typeface="Wingdings" panose="05000000000000000000" pitchFamily="2" charset="2"/>
               </a:rPr>
-              <a:t> at </a:t>
+              <a:t> linear </a:t>
             </a:r>
             <a:r>
               <a:rPr lang="de-DE" sz="2100" dirty="0" err="1">
                 <a:cs typeface="Calibri"/>
                 <a:sym typeface="Wingdings" panose="05000000000000000000" pitchFamily="2" charset="2"/>
               </a:rPr>
-              <a:t>some</a:t>
+              <a:t>regression</a:t>
             </a:r>
             <a:r>
               <a:rPr lang="de-DE" sz="2100" dirty="0">
@@ -12188,7 +12193,7 @@
                 <a:cs typeface="Calibri"/>
                 <a:sym typeface="Wingdings" panose="05000000000000000000" pitchFamily="2" charset="2"/>
               </a:rPr>
-              <a:t>example</a:t>
+              <a:t>model</a:t>
             </a:r>
             <a:r>
               <a:rPr lang="de-DE" sz="2100" dirty="0">
@@ -12202,122 +12207,40 @@
                 <a:cs typeface="Calibri"/>
                 <a:sym typeface="Wingdings" panose="05000000000000000000" pitchFamily="2" charset="2"/>
               </a:rPr>
-              <a:t>proteins</a:t>
+              <a:t>to</a:t>
             </a:r>
             <a:r>
               <a:rPr lang="de-DE" sz="2100" dirty="0">
                 <a:cs typeface="Calibri"/>
                 <a:sym typeface="Wingdings" panose="05000000000000000000" pitchFamily="2" charset="2"/>
               </a:rPr>
-              <a:t> and </a:t>
+              <a:t> </a:t>
             </a:r>
             <a:r>
               <a:rPr lang="de-DE" sz="2100" dirty="0" err="1">
                 <a:cs typeface="Calibri"/>
                 <a:sym typeface="Wingdings" panose="05000000000000000000" pitchFamily="2" charset="2"/>
               </a:rPr>
-              <a:t>compare</a:t>
+              <a:t>identify</a:t>
             </a:r>
             <a:r>
               <a:rPr lang="de-DE" sz="2100" dirty="0">
                 <a:cs typeface="Calibri"/>
                 <a:sym typeface="Wingdings" panose="05000000000000000000" pitchFamily="2" charset="2"/>
               </a:rPr>
-              <a:t> </a:t>
+              <a:t> R-</a:t>
             </a:r>
             <a:r>
               <a:rPr lang="de-DE" sz="2100" dirty="0" err="1">
                 <a:cs typeface="Calibri"/>
                 <a:sym typeface="Wingdings" panose="05000000000000000000" pitchFamily="2" charset="2"/>
               </a:rPr>
-              <a:t>information</a:t>
-            </a:r>
-            <a:r>
-              <a:rPr lang="de-DE" sz="2100" dirty="0">
-                <a:cs typeface="Calibri"/>
-                <a:sym typeface="Wingdings" panose="05000000000000000000" pitchFamily="2" charset="2"/>
-              </a:rPr>
-              <a:t> </a:t>
-            </a:r>
-            <a:r>
-              <a:rPr lang="de-DE" sz="2100" dirty="0" err="1">
-                <a:cs typeface="Calibri"/>
-                <a:sym typeface="Wingdings" panose="05000000000000000000" pitchFamily="2" charset="2"/>
-              </a:rPr>
-              <a:t>with</a:t>
-            </a:r>
-            <a:r>
-              <a:rPr lang="de-DE" sz="2100" dirty="0">
-                <a:cs typeface="Calibri"/>
-                <a:sym typeface="Wingdings" panose="05000000000000000000" pitchFamily="2" charset="2"/>
-              </a:rPr>
-              <a:t> </a:t>
-            </a:r>
-            <a:r>
-              <a:rPr lang="de-DE" sz="2100" dirty="0" err="1">
-                <a:cs typeface="Calibri"/>
-                <a:sym typeface="Wingdings" panose="05000000000000000000" pitchFamily="2" charset="2"/>
-              </a:rPr>
-              <a:t>information</a:t>
-            </a:r>
-            <a:r>
-              <a:rPr lang="de-DE" sz="2100" dirty="0">
-                <a:cs typeface="Calibri"/>
-                <a:sym typeface="Wingdings" panose="05000000000000000000" pitchFamily="2" charset="2"/>
-              </a:rPr>
-              <a:t> </a:t>
-            </a:r>
-            <a:r>
-              <a:rPr lang="de-DE" sz="2100" dirty="0" err="1">
-                <a:cs typeface="Calibri"/>
-                <a:sym typeface="Wingdings" panose="05000000000000000000" pitchFamily="2" charset="2"/>
-              </a:rPr>
-              <a:t>from</a:t>
+              <a:t>DeeP</a:t>
             </a:r>
             <a:endParaRPr lang="de-DE" sz="2100" dirty="0">
               <a:cs typeface="Calibri"/>
               <a:sym typeface="Wingdings" panose="05000000000000000000" pitchFamily="2" charset="2"/>
             </a:endParaRPr>
-          </a:p>
-          <a:p>
-            <a:pPr marL="0" indent="0">
-              <a:buNone/>
-            </a:pPr>
-            <a:r>
-              <a:rPr lang="de-DE" sz="2100" dirty="0">
-                <a:cs typeface="Calibri"/>
-                <a:sym typeface="Wingdings" panose="05000000000000000000" pitchFamily="2" charset="2"/>
-              </a:rPr>
-              <a:t>        </a:t>
-            </a:r>
-            <a:r>
-              <a:rPr lang="de-DE" sz="2100" dirty="0" err="1">
-                <a:cs typeface="Calibri"/>
-                <a:sym typeface="Wingdings" panose="05000000000000000000" pitchFamily="2" charset="2"/>
-              </a:rPr>
-              <a:t>given</a:t>
-            </a:r>
-            <a:r>
-              <a:rPr lang="de-DE" sz="2100" dirty="0">
-                <a:cs typeface="Calibri"/>
-                <a:sym typeface="Wingdings" panose="05000000000000000000" pitchFamily="2" charset="2"/>
-              </a:rPr>
-              <a:t> </a:t>
-            </a:r>
-            <a:r>
-              <a:rPr lang="de-DE" sz="2100" dirty="0" err="1">
-                <a:cs typeface="Calibri"/>
-                <a:sym typeface="Wingdings" panose="05000000000000000000" pitchFamily="2" charset="2"/>
-              </a:rPr>
-              <a:t>databases</a:t>
-            </a:r>
-            <a:r>
-              <a:rPr lang="de-DE" sz="2100" dirty="0">
-                <a:cs typeface="Calibri"/>
-                <a:sym typeface="Wingdings" panose="05000000000000000000" pitchFamily="2" charset="2"/>
-              </a:rPr>
-              <a:t> </a:t>
-            </a:r>
           </a:p>
           <a:p>
             <a:pPr marL="0" indent="0">
@@ -16145,7 +16068,7 @@
                 <a:cs typeface="Calibri"/>
                 <a:sym typeface="Wingdings" panose="05000000000000000000" pitchFamily="2" charset="2"/>
               </a:rPr>
-              <a:t>repetions</a:t>
+              <a:t>replicate</a:t>
             </a:r>
             <a:r>
               <a:rPr lang="de-DE" sz="2000" dirty="0">
@@ -16372,42 +16295,6 @@
           </a:p>
         </p:txBody>
       </p:sp>
-      <p:pic>
-        <p:nvPicPr>
-          <p:cNvPr id="7" name="Grafik 6" descr="Ein Bild, das Tisch enthält.&#10;&#10;Automatisch generierte Beschreibung">
-            <a:extLst>
-              <a:ext uri="{FF2B5EF4-FFF2-40B4-BE49-F238E27FC236}">
-                <a16:creationId xmlns:a16="http://schemas.microsoft.com/office/drawing/2014/main" id="{F2D1AD4B-0C01-E584-1D24-7EA09B075D98}"/>
-              </a:ext>
-            </a:extLst>
-          </p:cNvPr>
-          <p:cNvPicPr>
-            <a:picLocks noChangeAspect="1"/>
-          </p:cNvPicPr>
-          <p:nvPr/>
-        </p:nvPicPr>
-        <p:blipFill>
-          <a:blip r:embed="rId3">
-            <a:extLst>
-              <a:ext uri="{28A0092B-C50C-407E-A947-70E740481C1C}">
-                <a14:useLocalDpi xmlns:a14="http://schemas.microsoft.com/office/drawing/2010/main" val="0"/>
-              </a:ext>
-            </a:extLst>
-          </a:blip>
-          <a:stretch>
-            <a:fillRect/>
-          </a:stretch>
-        </p:blipFill>
-        <p:spPr>
-          <a:xfrm>
-            <a:off x="8021320" y="1714500"/>
-            <a:ext cx="3505200" cy="4724400"/>
-          </a:xfrm>
-          <a:prstGeom prst="rect">
-            <a:avLst/>
-          </a:prstGeom>
-        </p:spPr>
-      </p:pic>
     </p:spTree>
     <p:extLst>
       <p:ext uri="{BB962C8B-B14F-4D97-AF65-F5344CB8AC3E}">
@@ -16494,7 +16381,9 @@
         </p:nvSpPr>
         <p:spPr/>
         <p:txBody>
-          <a:bodyPr rtlCol="0"/>
+          <a:bodyPr rtlCol="0">
+            <a:normAutofit lnSpcReduction="10000"/>
+          </a:bodyPr>
           <a:lstStyle/>
           <a:p>
             <a:r>
@@ -16605,6 +16494,18 @@
               </a:rPr>
               <a:t> </a:t>
             </a:r>
+          </a:p>
+          <a:p>
+            <a:pPr marL="0" indent="0">
+              <a:buNone/>
+            </a:pPr>
+            <a:r>
+              <a:rPr lang="de-DE" sz="2000" dirty="0">
+                <a:cs typeface="Calibri"/>
+                <a:sym typeface="Wingdings" panose="05000000000000000000" pitchFamily="2" charset="2"/>
+              </a:rPr>
+              <a:t>         </a:t>
+            </a:r>
             <a:r>
               <a:rPr lang="de-DE" sz="2000" dirty="0" err="1">
                 <a:cs typeface="Calibri"/>
@@ -16860,6 +16761,72 @@
             <a:endParaRPr lang="de-DE" sz="2000" dirty="0">
               <a:cs typeface="Calibri"/>
             </a:endParaRPr>
+          </a:p>
+        </p:txBody>
+      </p:sp>
+      <p:pic>
+        <p:nvPicPr>
+          <p:cNvPr id="4" name="Grafik 3">
+            <a:extLst>
+              <a:ext uri="{FF2B5EF4-FFF2-40B4-BE49-F238E27FC236}">
+                <a16:creationId xmlns:a16="http://schemas.microsoft.com/office/drawing/2014/main" id="{9284E761-7F49-6AD5-04CF-A52F59800CFA}"/>
+              </a:ext>
+            </a:extLst>
+          </p:cNvPr>
+          <p:cNvPicPr>
+            <a:picLocks noChangeAspect="1"/>
+          </p:cNvPicPr>
+          <p:nvPr/>
+        </p:nvPicPr>
+        <p:blipFill>
+          <a:blip r:embed="rId3"/>
+          <a:stretch>
+            <a:fillRect/>
+          </a:stretch>
+        </p:blipFill>
+        <p:spPr>
+          <a:xfrm>
+            <a:off x="8875643" y="1640582"/>
+            <a:ext cx="2676370" cy="3607280"/>
+          </a:xfrm>
+          <a:prstGeom prst="rect">
+            <a:avLst/>
+          </a:prstGeom>
+        </p:spPr>
+      </p:pic>
+      <p:sp>
+        <p:nvSpPr>
+          <p:cNvPr id="5" name="Textfeld 4">
+            <a:extLst>
+              <a:ext uri="{FF2B5EF4-FFF2-40B4-BE49-F238E27FC236}">
+                <a16:creationId xmlns:a16="http://schemas.microsoft.com/office/drawing/2014/main" id="{88080A62-286C-53B1-A600-7240B9DB353A}"/>
+              </a:ext>
+            </a:extLst>
+          </p:cNvPr>
+          <p:cNvSpPr txBox="1"/>
+          <p:nvPr/>
+        </p:nvSpPr>
+        <p:spPr>
+          <a:xfrm>
+            <a:off x="8786191" y="5327374"/>
+            <a:ext cx="2765822" cy="215444"/>
+          </a:xfrm>
+          <a:prstGeom prst="rect">
+            <a:avLst/>
+          </a:prstGeom>
+          <a:noFill/>
+        </p:spPr>
+        <p:txBody>
+          <a:bodyPr wrap="square" rtlCol="0">
+            <a:spAutoFit/>
+          </a:bodyPr>
+          <a:lstStyle/>
+          <a:p>
+            <a:r>
+              <a:rPr lang="fr-FR" sz="800" dirty="0"/>
+              <a:t>Source: Lecture Computer Science Dr. Carl Hermann</a:t>
+            </a:r>
+            <a:endParaRPr lang="de-DE" sz="800" dirty="0"/>
           </a:p>
         </p:txBody>
       </p:sp>
